--- a/cachePresentation.pptx
+++ b/cachePresentation.pptx
@@ -8221,11 +8221,6 @@
               </a:rPr>
               <a:t>Code memory</a:t>
             </a:r>
-            <a:endParaRPr lang="en-US" altLang="zh-CN" dirty="0" smtClean="0">
-              <a:solidFill>
-                <a:schemeClr val="bg2"/>
-              </a:solidFill>
-            </a:endParaRPr>
           </a:p>
           <a:p>
             <a:r>
@@ -8246,11 +8241,6 @@
               </a:rPr>
               <a:t>Cache</a:t>
             </a:r>
-            <a:endParaRPr lang="en-US" altLang="zh-CN" dirty="0" smtClean="0">
-              <a:solidFill>
-                <a:srgbClr val="FF0000"/>
-              </a:solidFill>
-            </a:endParaRPr>
           </a:p>
           <a:p>
             <a:r>
@@ -8938,7 +8928,6 @@
               <a:rPr lang="en-US" altLang="zh-CN" dirty="0" smtClean="0"/>
               <a:t>Code memory</a:t>
             </a:r>
-            <a:endParaRPr lang="en-US" altLang="zh-CN" dirty="0" smtClean="0"/>
           </a:p>
           <a:p>
             <a:r>
@@ -10401,11 +10390,6 @@
               </a:rPr>
               <a:t>Code memory</a:t>
             </a:r>
-            <a:endParaRPr lang="en-US" altLang="zh-CN" dirty="0" smtClean="0">
-              <a:solidFill>
-                <a:schemeClr val="bg2"/>
-              </a:solidFill>
-            </a:endParaRPr>
           </a:p>
           <a:p>
             <a:r>
@@ -10426,11 +10410,6 @@
               </a:rPr>
               <a:t>Cache</a:t>
             </a:r>
-            <a:endParaRPr lang="en-US" altLang="zh-CN" dirty="0" smtClean="0">
-              <a:solidFill>
-                <a:schemeClr val="bg2"/>
-              </a:solidFill>
-            </a:endParaRPr>
           </a:p>
           <a:p>
             <a:r>
@@ -11625,11 +11604,6 @@
               </a:rPr>
               <a:t>Code memory</a:t>
             </a:r>
-            <a:endParaRPr lang="en-US" altLang="zh-CN" dirty="0" smtClean="0">
-              <a:solidFill>
-                <a:schemeClr val="bg2"/>
-              </a:solidFill>
-            </a:endParaRPr>
           </a:p>
           <a:p>
             <a:r>
@@ -11650,11 +11624,6 @@
               </a:rPr>
               <a:t>Cache</a:t>
             </a:r>
-            <a:endParaRPr lang="en-US" altLang="zh-CN" dirty="0" smtClean="0">
-              <a:solidFill>
-                <a:schemeClr val="bg2"/>
-              </a:solidFill>
-            </a:endParaRPr>
           </a:p>
           <a:p>
             <a:r>
@@ -13588,6 +13557,40 @@
           </a:prstGeom>
         </p:spPr>
       </p:pic>
+      <p:sp>
+        <p:nvSpPr>
+          <p:cNvPr id="2" name="文本框 1"/>
+          <p:cNvSpPr txBox="1"/>
+          <p:nvPr/>
+        </p:nvSpPr>
+        <p:spPr>
+          <a:xfrm>
+            <a:off x="3525496" y="5522259"/>
+            <a:ext cx="2138727" cy="369332"/>
+          </a:xfrm>
+          <a:prstGeom prst="rect">
+            <a:avLst/>
+          </a:prstGeom>
+          <a:noFill/>
+        </p:spPr>
+        <p:txBody>
+          <a:bodyPr wrap="none" rtlCol="0">
+            <a:spAutoFit/>
+          </a:bodyPr>
+          <a:lstStyle/>
+          <a:p>
+            <a:r>
+              <a:rPr lang="zh-CN" altLang="en-US" dirty="0" smtClean="0"/>
+              <a:t>是否需要进行同步</a:t>
+            </a:r>
+            <a:r>
+              <a:rPr lang="en-US" altLang="zh-CN" dirty="0" smtClean="0"/>
+              <a:t>?</a:t>
+            </a:r>
+            <a:endParaRPr lang="zh-CN" altLang="en-US" dirty="0"/>
+          </a:p>
+        </p:txBody>
+      </p:sp>
     </p:spTree>
     <p:extLst>
       <p:ext uri="{BB962C8B-B14F-4D97-AF65-F5344CB8AC3E}">
@@ -14289,11 +14292,6 @@
               </a:rPr>
               <a:t>Code memory</a:t>
             </a:r>
-            <a:endParaRPr lang="en-US" altLang="zh-CN" dirty="0" smtClean="0">
-              <a:solidFill>
-                <a:srgbClr val="FF0000"/>
-              </a:solidFill>
-            </a:endParaRPr>
           </a:p>
           <a:p>
             <a:r>
@@ -14606,11 +14604,6 @@
               </a:rPr>
               <a:t>Code memory</a:t>
             </a:r>
-            <a:endParaRPr lang="en-US" altLang="zh-CN" dirty="0" smtClean="0">
-              <a:solidFill>
-                <a:schemeClr val="bg2"/>
-              </a:solidFill>
-            </a:endParaRPr>
           </a:p>
           <a:p>
             <a:r>
